--- a/Molnár Márk/MI Prezi.pptx
+++ b/Molnár Márk/MI Prezi.pptx
@@ -993,7 +993,7 @@
           <a:p>
             <a:fld id="{C4270120-CDFC-48DE-A6EA-6DEEDD0E436A}" type="datetimeFigureOut">
               <a:rPr lang="en-US" dirty="0"/>
-              <a:t>9/16/2024</a:t>
+              <a:t>11/19/2024</a:t>
             </a:fld>
             <a:endParaRPr lang="en-US"/>
           </a:p>
@@ -1287,7 +1287,7 @@
           <a:p>
             <a:fld id="{2A1F5BA7-0A17-4D30-9B66-E29324151C73}" type="datetimeFigureOut">
               <a:rPr lang="en-US" dirty="0"/>
-              <a:t>9/16/2024</a:t>
+              <a:t>11/19/2024</a:t>
             </a:fld>
             <a:endParaRPr lang="en-US"/>
           </a:p>
@@ -1543,7 +1543,7 @@
           <a:p>
             <a:fld id="{76BEBB1B-D40A-4DB9-B3DE-BAAE675B83CD}" type="datetimeFigureOut">
               <a:rPr lang="en-US" dirty="0"/>
-              <a:t>9/16/2024</a:t>
+              <a:t>11/19/2024</a:t>
             </a:fld>
             <a:endParaRPr lang="en-US"/>
           </a:p>
@@ -1799,7 +1799,7 @@
           <a:p>
             <a:fld id="{A3C9FAAF-C467-4C93-8ECD-39AF5A14D498}" type="datetimeFigureOut">
               <a:rPr lang="en-US" dirty="0"/>
-              <a:t>9/16/2024</a:t>
+              <a:t>11/19/2024</a:t>
             </a:fld>
             <a:endParaRPr lang="en-US"/>
           </a:p>
@@ -2124,7 +2124,7 @@
           <a:p>
             <a:fld id="{3E37E480-B2BA-4553-A144-61E7F75833ED}" type="datetimeFigureOut">
               <a:rPr lang="en-US" dirty="0"/>
-              <a:t>9/16/2024</a:t>
+              <a:t>11/19/2024</a:t>
             </a:fld>
             <a:endParaRPr lang="en-US"/>
           </a:p>
@@ -2478,7 +2478,7 @@
           <a:p>
             <a:fld id="{390E682A-6B53-4B08-AE4D-4C5E659103CC}" type="datetimeFigureOut">
               <a:rPr lang="en-US" dirty="0"/>
-              <a:t>9/16/2024</a:t>
+              <a:t>11/19/2024</a:t>
             </a:fld>
             <a:endParaRPr lang="en-US"/>
           </a:p>
@@ -2994,7 +2994,7 @@
           <a:p>
             <a:fld id="{7C69F0F6-BEBB-4894-ABB2-75C5CBE0DDB9}" type="datetimeFigureOut">
               <a:rPr lang="en-US" dirty="0"/>
-              <a:t>9/16/2024</a:t>
+              <a:t>11/19/2024</a:t>
             </a:fld>
             <a:endParaRPr lang="en-US"/>
           </a:p>
@@ -3310,7 +3310,7 @@
           <a:p>
             <a:fld id="{8B3E9E5F-17D9-4A30-9DA3-64E46A6DF111}" type="datetimeFigureOut">
               <a:rPr lang="en-US" dirty="0"/>
-              <a:t>9/16/2024</a:t>
+              <a:t>11/19/2024</a:t>
             </a:fld>
             <a:endParaRPr lang="en-US"/>
           </a:p>
@@ -3427,7 +3427,7 @@
           <a:p>
             <a:fld id="{033AC5F0-3BC3-4718-BCCA-24B5655EC864}" type="datetimeFigureOut">
               <a:rPr lang="en-US" dirty="0"/>
-              <a:t>9/16/2024</a:t>
+              <a:t>11/19/2024</a:t>
             </a:fld>
             <a:endParaRPr lang="en-US"/>
           </a:p>
@@ -3772,7 +3772,7 @@
           <a:p>
             <a:fld id="{9EB8BD81-465B-40F2-9A54-9DF3B12AF598}" type="datetimeFigureOut">
               <a:rPr lang="en-US" dirty="0"/>
-              <a:t>9/16/2024</a:t>
+              <a:t>11/19/2024</a:t>
             </a:fld>
             <a:endParaRPr lang="en-US"/>
           </a:p>
@@ -4076,7 +4076,7 @@
           <a:p>
             <a:fld id="{F04B3CEF-64EF-4C43-9530-8E9CBFD2CAD1}" type="datetimeFigureOut">
               <a:rPr lang="en-US" dirty="0"/>
-              <a:t>9/16/2024</a:t>
+              <a:t>11/19/2024</a:t>
             </a:fld>
             <a:endParaRPr lang="en-US"/>
           </a:p>
@@ -4326,7 +4326,7 @@
           <a:p>
             <a:fld id="{B70A3DFD-A535-46B2-84C1-61DC8B16A904}" type="datetimeFigureOut">
               <a:rPr lang="en-US" dirty="0"/>
-              <a:t>9/16/2024</a:t>
+              <a:t>11/19/2024</a:t>
             </a:fld>
             <a:endParaRPr lang="en-US"/>
           </a:p>
@@ -4809,16 +4809,8 @@
           <a:lstStyle/>
           <a:p>
             <a:r>
-              <a:rPr lang="hu-HU"/>
-              <a:t>A Mesterséges </a:t>
-            </a:r>
-            <a:r>
-              <a:rPr lang="hu-HU" err="1"/>
-              <a:t>inteligencia</a:t>
-            </a:r>
-            <a:r>
-              <a:rPr lang="hu-HU"/>
-              <a:t> története</a:t>
+              <a:rPr lang="hu-HU" dirty="0"/>
+              <a:t>A Mesterséges intelligencia története</a:t>
             </a:r>
           </a:p>
         </p:txBody>
@@ -4885,12 +4877,8 @@
           <a:lstStyle/>
           <a:p>
             <a:r>
-              <a:rPr lang="hu-HU" err="1"/>
-              <a:t>Készítetete</a:t>
-            </a:r>
-            <a:r>
-              <a:rPr lang="hu-HU"/>
-              <a:t>: Molnár Márk Krisztián 12.I</a:t>
+              <a:rPr lang="hu-HU" dirty="0"/>
+              <a:t>Készítette: Molnár Márk Krisztián 12.I</a:t>
             </a:r>
           </a:p>
         </p:txBody>
@@ -4905,13 +4893,13 @@
   <p:clrMapOvr>
     <a:masterClrMapping/>
   </p:clrMapOvr>
-  <mc:AlternateContent xmlns:mc="http://schemas.openxmlformats.org/markup-compatibility/2006">
-    <mc:Choice xmlns:p14="http://schemas.microsoft.com/office/powerpoint/2010/main" Requires="p14">
+  <mc:AlternateContent xmlns:mc="http://schemas.openxmlformats.org/markup-compatibility/2006" xmlns:p14="http://schemas.microsoft.com/office/powerpoint/2010/main">
+    <mc:Choice Requires="p14">
       <p:transition spd="med" p14:dur="700">
         <p:fade/>
       </p:transition>
     </mc:Choice>
-    <mc:Fallback>
+    <mc:Fallback xmlns="">
       <p:transition spd="med">
         <p:fade/>
       </p:transition>
@@ -5279,7 +5267,7 @@
           <a:lstStyle/>
           <a:p>
             <a:fld id="{FE4F1811-E45E-42EE-B1FD-028C28F5EF2E}" type="datetime1">
-              <a:t>2024. 09. 16.</a:t>
+              <a:t>2024.11.19.</a:t>
             </a:fld>
             <a:endParaRPr lang="en-US"/>
           </a:p>
@@ -5413,13 +5401,13 @@
   <p:clrMapOvr>
     <a:masterClrMapping/>
   </p:clrMapOvr>
-  <mc:AlternateContent xmlns:mc="http://schemas.openxmlformats.org/markup-compatibility/2006">
-    <mc:Choice xmlns:p15="http://schemas.microsoft.com/office/powerpoint/2012/main" Requires="p15">
+  <mc:AlternateContent xmlns:mc="http://schemas.openxmlformats.org/markup-compatibility/2006" xmlns:p15="http://schemas.microsoft.com/office/powerpoint/2012/main">
+    <mc:Choice Requires="p15">
       <p:transition xmlns:p14="http://schemas.microsoft.com/office/powerpoint/2010/main" spd="slow" p14:dur="1250">
         <p15:prstTrans prst="pageCurlDouble"/>
       </p:transition>
     </mc:Choice>
-    <mc:Fallback>
+    <mc:Fallback xmlns="">
       <p:transition spd="slow">
         <p:fade/>
       </p:transition>
@@ -5539,7 +5527,7 @@
           <a:lstStyle/>
           <a:p>
             <a:fld id="{DC0AF8F3-9F9F-4048-BBB7-B048C26DA95D}" type="datetime1">
-              <a:t>2024. 09. 16.</a:t>
+              <a:t>2024.11.19.</a:t>
             </a:fld>
             <a:endParaRPr lang="en-US"/>
           </a:p>
@@ -5643,13 +5631,13 @@
   <p:clrMapOvr>
     <a:masterClrMapping/>
   </p:clrMapOvr>
-  <mc:AlternateContent xmlns:mc="http://schemas.openxmlformats.org/markup-compatibility/2006">
-    <mc:Choice xmlns:p15="http://schemas.microsoft.com/office/powerpoint/2012/main" Requires="p15">
+  <mc:AlternateContent xmlns:mc="http://schemas.openxmlformats.org/markup-compatibility/2006" xmlns:p15="http://schemas.microsoft.com/office/powerpoint/2012/main">
+    <mc:Choice Requires="p15">
       <p:transition xmlns:p14="http://schemas.microsoft.com/office/powerpoint/2010/main" spd="slow" p14:dur="2000">
         <p15:prstTrans prst="wind"/>
       </p:transition>
     </mc:Choice>
-    <mc:Fallback>
+    <mc:Fallback xmlns="">
       <p:transition spd="slow">
         <p:fade/>
       </p:transition>
@@ -5765,7 +5753,7 @@
           <a:lstStyle/>
           <a:p>
             <a:fld id="{C06E0904-41F5-4793-9690-1B0038692271}" type="datetime1">
-              <a:t>2024. 09. 16.</a:t>
+              <a:t>2024.11.19.</a:t>
             </a:fld>
             <a:endParaRPr lang="en-US"/>
           </a:p>
@@ -5869,13 +5857,13 @@
   <p:clrMapOvr>
     <a:masterClrMapping/>
   </p:clrMapOvr>
-  <mc:AlternateContent xmlns:mc="http://schemas.openxmlformats.org/markup-compatibility/2006">
-    <mc:Choice xmlns:p15="http://schemas.microsoft.com/office/powerpoint/2012/main" Requires="p15">
+  <mc:AlternateContent xmlns:mc="http://schemas.openxmlformats.org/markup-compatibility/2006" xmlns:p15="http://schemas.microsoft.com/office/powerpoint/2012/main">
+    <mc:Choice Requires="p15">
       <p:transition xmlns:p14="http://schemas.microsoft.com/office/powerpoint/2010/main" spd="slow" p14:dur="2000">
         <p15:prstTrans prst="fallOver"/>
       </p:transition>
     </mc:Choice>
-    <mc:Fallback>
+    <mc:Fallback xmlns="">
       <p:transition spd="slow">
         <p:fade/>
       </p:transition>
@@ -5956,7 +5944,7 @@
           <a:lstStyle/>
           <a:p>
             <a:fld id="{053F623A-5EFE-4092-A016-A71364C9576F}" type="datetime1">
-              <a:t>2024. 09. 16.</a:t>
+              <a:t>2024.11.19.</a:t>
             </a:fld>
             <a:endParaRPr lang="en-US"/>
           </a:p>
@@ -6129,13 +6117,13 @@
   <p:clrMapOvr>
     <a:masterClrMapping/>
   </p:clrMapOvr>
-  <mc:AlternateContent xmlns:mc="http://schemas.openxmlformats.org/markup-compatibility/2006">
-    <mc:Choice xmlns:p14="http://schemas.microsoft.com/office/powerpoint/2010/main" Requires="p14">
+  <mc:AlternateContent xmlns:mc="http://schemas.openxmlformats.org/markup-compatibility/2006" xmlns:p14="http://schemas.microsoft.com/office/powerpoint/2010/main">
+    <mc:Choice Requires="p14">
       <p:transition spd="slow" p14:dur="3900">
         <p14:glitter pattern="hexagon"/>
       </p:transition>
     </mc:Choice>
-    <mc:Fallback>
+    <mc:Fallback xmlns="">
       <p:transition spd="slow">
         <p:fade/>
       </p:transition>
@@ -6254,7 +6242,7 @@
           <a:lstStyle/>
           <a:p>
             <a:fld id="{1EA899DE-2979-4E60-A1D4-41B08BC5B126}" type="datetime1">
-              <a:t>2024. 09. 16.</a:t>
+              <a:t>2024.11.19.</a:t>
             </a:fld>
             <a:endParaRPr lang="en-US"/>
           </a:p>
@@ -6714,7 +6702,7 @@
           <a:lstStyle/>
           <a:p>
             <a:fld id="{E263E454-1802-483B-9E08-9B76DF5856C4}" type="datetime1">
-              <a:t>2024. 09. 16.</a:t>
+              <a:t>2024.11.19.</a:t>
             </a:fld>
             <a:endParaRPr lang="en-US"/>
           </a:p>
@@ -6818,13 +6806,13 @@
   <p:clrMapOvr>
     <a:masterClrMapping/>
   </p:clrMapOvr>
-  <mc:AlternateContent xmlns:mc="http://schemas.openxmlformats.org/markup-compatibility/2006">
-    <mc:Choice xmlns:p14="http://schemas.microsoft.com/office/powerpoint/2010/main" Requires="p14">
+  <mc:AlternateContent xmlns:mc="http://schemas.openxmlformats.org/markup-compatibility/2006" xmlns:p14="http://schemas.microsoft.com/office/powerpoint/2010/main">
+    <mc:Choice Requires="p14">
       <p:transition spd="slow" p14:dur="800">
         <p:circle/>
       </p:transition>
     </mc:Choice>
-    <mc:Fallback>
+    <mc:Fallback xmlns="">
       <p:transition spd="slow">
         <p:circle/>
       </p:transition>
@@ -6907,7 +6895,7 @@
         </p:spPr>
         <p:txBody>
           <a:bodyPr vert="horz" lIns="91440" tIns="45720" rIns="91440" bIns="45720" rtlCol="0" anchor="t">
-            <a:normAutofit fontScale="92500"/>
+            <a:normAutofit/>
           </a:bodyPr>
           <a:lstStyle/>
           <a:p>
@@ -6958,7 +6946,7 @@
           <a:lstStyle/>
           <a:p>
             <a:fld id="{EE6B3B5D-83BC-4754-8850-95962284C0E1}" type="datetime1">
-              <a:t>2024. 09. 16.</a:t>
+              <a:t>2024.11.19.</a:t>
             </a:fld>
             <a:endParaRPr lang="en-US"/>
           </a:p>
@@ -7062,13 +7050,13 @@
   <p:clrMapOvr>
     <a:masterClrMapping/>
   </p:clrMapOvr>
-  <mc:AlternateContent xmlns:mc="http://schemas.openxmlformats.org/markup-compatibility/2006">
-    <mc:Choice xmlns:p15="http://schemas.microsoft.com/office/powerpoint/2012/main" Requires="p15">
+  <mc:AlternateContent xmlns:mc="http://schemas.openxmlformats.org/markup-compatibility/2006" xmlns:p15="http://schemas.microsoft.com/office/powerpoint/2012/main">
+    <mc:Choice Requires="p15">
       <p:transition xmlns:p14="http://schemas.microsoft.com/office/powerpoint/2010/main" spd="slow" p14:dur="2000">
         <p15:prstTrans prst="prestige"/>
       </p:transition>
     </mc:Choice>
-    <mc:Fallback>
+    <mc:Fallback xmlns="">
       <p:transition spd="slow">
         <p:fade/>
       </p:transition>
@@ -7244,7 +7232,7 @@
           <a:lstStyle/>
           <a:p>
             <a:fld id="{8CF2986A-E298-4DDB-91D2-278B61C41C5A}" type="datetime1">
-              <a:t>2024. 09. 16.</a:t>
+              <a:t>2024.11.19.</a:t>
             </a:fld>
             <a:endParaRPr lang="en-US"/>
           </a:p>
@@ -7318,13 +7306,13 @@
   <p:clrMapOvr>
     <a:masterClrMapping/>
   </p:clrMapOvr>
-  <mc:AlternateContent xmlns:mc="http://schemas.openxmlformats.org/markup-compatibility/2006">
-    <mc:Choice xmlns:p14="http://schemas.microsoft.com/office/powerpoint/2010/main" Requires="p14">
+  <mc:AlternateContent xmlns:mc="http://schemas.openxmlformats.org/markup-compatibility/2006" xmlns:p14="http://schemas.microsoft.com/office/powerpoint/2010/main">
+    <mc:Choice Requires="p14">
       <p:transition spd="slow" p14:dur="1400">
         <p14:doors dir="vert"/>
       </p:transition>
     </mc:Choice>
-    <mc:Fallback>
+    <mc:Fallback xmlns="">
       <p:transition spd="slow">
         <p:fade/>
       </p:transition>
@@ -7444,7 +7432,7 @@
           <a:lstStyle/>
           <a:p>
             <a:fld id="{F0315E37-8537-4D54-9A12-3AADA160862A}" type="datetime1">
-              <a:t>2024. 09. 16.</a:t>
+              <a:t>2024.11.19.</a:t>
             </a:fld>
             <a:endParaRPr lang="en-US"/>
           </a:p>
@@ -7518,13 +7506,13 @@
   <p:clrMapOvr>
     <a:masterClrMapping/>
   </p:clrMapOvr>
-  <mc:AlternateContent xmlns:mc="http://schemas.openxmlformats.org/markup-compatibility/2006">
-    <mc:Choice xmlns:p15="http://schemas.microsoft.com/office/powerpoint/2012/main" Requires="p15">
+  <mc:AlternateContent xmlns:mc="http://schemas.openxmlformats.org/markup-compatibility/2006" xmlns:p15="http://schemas.microsoft.com/office/powerpoint/2012/main">
+    <mc:Choice Requires="p15">
       <p:transition xmlns:p14="http://schemas.microsoft.com/office/powerpoint/2010/main" spd="slow" p14:dur="3250">
         <p15:prstTrans prst="origami"/>
       </p:transition>
     </mc:Choice>
-    <mc:Fallback>
+    <mc:Fallback xmlns="">
       <p:transition spd="slow">
         <p:fade/>
       </p:transition>
@@ -7658,7 +7646,7 @@
           <a:lstStyle/>
           <a:p>
             <a:fld id="{D08802D7-3669-4B2E-9336-D7BA310264FB}" type="datetime1">
-              <a:t>2024. 09. 16.</a:t>
+              <a:t>2024.11.19.</a:t>
             </a:fld>
             <a:endParaRPr lang="en-US"/>
           </a:p>
@@ -7732,13 +7720,13 @@
   <p:clrMapOvr>
     <a:masterClrMapping/>
   </p:clrMapOvr>
-  <mc:AlternateContent xmlns:mc="http://schemas.openxmlformats.org/markup-compatibility/2006">
-    <mc:Choice xmlns:p14="http://schemas.microsoft.com/office/powerpoint/2010/main" Requires="p14">
+  <mc:AlternateContent xmlns:mc="http://schemas.openxmlformats.org/markup-compatibility/2006" xmlns:p14="http://schemas.microsoft.com/office/powerpoint/2010/main">
+    <mc:Choice Requires="p14">
       <p:transition spd="slow" p14:dur="4000">
         <p14:vortex dir="r"/>
       </p:transition>
     </mc:Choice>
-    <mc:Fallback>
+    <mc:Fallback xmlns="">
       <p:transition spd="slow">
         <p:fade/>
       </p:transition>
@@ -7862,7 +7850,7 @@
           <a:lstStyle/>
           <a:p>
             <a:fld id="{C6891651-181D-4BB6-9AC0-0B4018150519}" type="datetime1">
-              <a:t>2024. 09. 16.</a:t>
+              <a:t>2024.11.19.</a:t>
             </a:fld>
             <a:endParaRPr lang="en-US"/>
           </a:p>
@@ -7966,13 +7954,13 @@
   <p:clrMapOvr>
     <a:masterClrMapping/>
   </p:clrMapOvr>
-  <mc:AlternateContent xmlns:mc="http://schemas.openxmlformats.org/markup-compatibility/2006">
-    <mc:Choice xmlns:p14="http://schemas.microsoft.com/office/powerpoint/2010/main" Requires="p14">
+  <mc:AlternateContent xmlns:mc="http://schemas.openxmlformats.org/markup-compatibility/2006" xmlns:p14="http://schemas.microsoft.com/office/powerpoint/2010/main">
+    <mc:Choice Requires="p14">
       <p:transition spd="slow" p14:dur="1200">
         <p14:prism/>
       </p:transition>
     </mc:Choice>
-    <mc:Fallback>
+    <mc:Fallback xmlns="">
       <p:transition spd="slow">
         <p:fade/>
       </p:transition>
@@ -8092,7 +8080,7 @@
           <a:lstStyle/>
           <a:p>
             <a:fld id="{663FC404-A500-4178-A62C-01041D596B70}" type="datetime1">
-              <a:t>2024. 09. 16.</a:t>
+              <a:t>2024.11.19.</a:t>
             </a:fld>
             <a:endParaRPr lang="en-US"/>
           </a:p>
@@ -8256,13 +8244,13 @@
   <p:clrMapOvr>
     <a:masterClrMapping/>
   </p:clrMapOvr>
-  <mc:AlternateContent xmlns:mc="http://schemas.openxmlformats.org/markup-compatibility/2006">
-    <mc:Choice xmlns:p14="http://schemas.microsoft.com/office/powerpoint/2010/main" Requires="p14">
+  <mc:AlternateContent xmlns:mc="http://schemas.openxmlformats.org/markup-compatibility/2006" xmlns:p14="http://schemas.microsoft.com/office/powerpoint/2010/main">
+    <mc:Choice Requires="p14">
       <p:transition spd="slow" p14:dur="1600">
         <p:blinds dir="vert"/>
       </p:transition>
     </mc:Choice>
-    <mc:Fallback>
+    <mc:Fallback xmlns="">
       <p:transition spd="slow">
         <p:blinds dir="vert"/>
       </p:transition>
